--- a/Yanhong Wang/2020/20200116 lstm+prune+colcombine.pptx
+++ b/Yanhong Wang/2020/20200116 lstm+prune+colcombine.pptx
@@ -225,7 +225,7 @@
           <a:p>
             <a:fld id="{B478E0E4-DC06-4041-AFA7-BB6F527FFA3F}" type="datetimeFigureOut">
               <a:rPr lang="zh-CN" altLang="en-US" smtClean="0"/>
-              <a:t>2020/1/16</a:t>
+              <a:t>2020/2/10</a:t>
             </a:fld>
             <a:endParaRPr lang="zh-CN" altLang="en-US"/>
           </a:p>
@@ -402,7 +402,7 @@
           <a:p>
             <a:fld id="{E86D8963-CFCD-4740-AF60-049850373CDF}" type="datetimeFigureOut">
               <a:rPr lang="zh-CN" altLang="en-US" smtClean="0"/>
-              <a:t>2020/1/16</a:t>
+              <a:t>2020/2/9</a:t>
             </a:fld>
             <a:endParaRPr lang="zh-CN" altLang="en-US"/>
           </a:p>
@@ -3185,7 +3185,7 @@
           <a:graphicData uri="http://schemas.openxmlformats.org/presentationml/2006/ole">
             <mc:AlternateContent xmlns:mc="http://schemas.openxmlformats.org/markup-compatibility/2006">
               <mc:Choice xmlns:v="urn:schemas-microsoft-com:vml" Requires="v">
-                <p:oleObj spid="_x0000_s1052" name="think-cell Slide" r:id="rId6" imgW="347" imgH="348" progId="TCLayout.ActiveDocument.1">
+                <p:oleObj spid="_x0000_s1054" name="think-cell Slide" r:id="rId6" imgW="347" imgH="348" progId="TCLayout.ActiveDocument.1">
                   <p:embed/>
                 </p:oleObj>
               </mc:Choice>
@@ -14608,8 +14608,8 @@
           </a:prstGeom>
         </p:spPr>
       </p:pic>
-      <mc:AlternateContent xmlns:mc="http://schemas.openxmlformats.org/markup-compatibility/2006">
-        <mc:Choice xmlns:a14="http://schemas.microsoft.com/office/drawing/2010/main" Requires="a14">
+      <mc:AlternateContent xmlns:mc="http://schemas.openxmlformats.org/markup-compatibility/2006" xmlns:a14="http://schemas.microsoft.com/office/drawing/2010/main">
+        <mc:Choice Requires="a14">
           <p:sp>
             <p:nvSpPr>
               <p:cNvPr id="71" name="文本框 70">
@@ -14682,7 +14682,7 @@
             </p:txBody>
           </p:sp>
         </mc:Choice>
-        <mc:Fallback>
+        <mc:Fallback xmlns="">
           <p:sp>
             <p:nvSpPr>
               <p:cNvPr id="71" name="文本框 70">
@@ -14727,8 +14727,8 @@
           </p:sp>
         </mc:Fallback>
       </mc:AlternateContent>
-      <mc:AlternateContent xmlns:mc="http://schemas.openxmlformats.org/markup-compatibility/2006">
-        <mc:Choice xmlns:a14="http://schemas.microsoft.com/office/drawing/2010/main" Requires="a14">
+      <mc:AlternateContent xmlns:mc="http://schemas.openxmlformats.org/markup-compatibility/2006" xmlns:a14="http://schemas.microsoft.com/office/drawing/2010/main">
+        <mc:Choice Requires="a14">
           <p:sp>
             <p:nvSpPr>
               <p:cNvPr id="72" name="文本框 71">
@@ -14801,7 +14801,7 @@
             </p:txBody>
           </p:sp>
         </mc:Choice>
-        <mc:Fallback>
+        <mc:Fallback xmlns="">
           <p:sp>
             <p:nvSpPr>
               <p:cNvPr id="72" name="文本框 71">
@@ -14846,8 +14846,8 @@
           </p:sp>
         </mc:Fallback>
       </mc:AlternateContent>
-      <mc:AlternateContent xmlns:mc="http://schemas.openxmlformats.org/markup-compatibility/2006">
-        <mc:Choice xmlns:a14="http://schemas.microsoft.com/office/drawing/2010/main" Requires="a14">
+      <mc:AlternateContent xmlns:mc="http://schemas.openxmlformats.org/markup-compatibility/2006" xmlns:a14="http://schemas.microsoft.com/office/drawing/2010/main">
+        <mc:Choice Requires="a14">
           <p:sp>
             <p:nvSpPr>
               <p:cNvPr id="73" name="文本框 72">
@@ -14920,7 +14920,7 @@
             </p:txBody>
           </p:sp>
         </mc:Choice>
-        <mc:Fallback>
+        <mc:Fallback xmlns="">
           <p:sp>
             <p:nvSpPr>
               <p:cNvPr id="73" name="文本框 72">
@@ -14965,8 +14965,8 @@
           </p:sp>
         </mc:Fallback>
       </mc:AlternateContent>
-      <mc:AlternateContent xmlns:mc="http://schemas.openxmlformats.org/markup-compatibility/2006">
-        <mc:Choice xmlns:a14="http://schemas.microsoft.com/office/drawing/2010/main" Requires="a14">
+      <mc:AlternateContent xmlns:mc="http://schemas.openxmlformats.org/markup-compatibility/2006" xmlns:a14="http://schemas.microsoft.com/office/drawing/2010/main">
+        <mc:Choice Requires="a14">
           <p:sp>
             <p:nvSpPr>
               <p:cNvPr id="74" name="文本框 73">
@@ -15039,7 +15039,7 @@
             </p:txBody>
           </p:sp>
         </mc:Choice>
-        <mc:Fallback>
+        <mc:Fallback xmlns="">
           <p:sp>
             <p:nvSpPr>
               <p:cNvPr id="74" name="文本框 73">
@@ -15084,8 +15084,8 @@
           </p:sp>
         </mc:Fallback>
       </mc:AlternateContent>
-      <mc:AlternateContent xmlns:mc="http://schemas.openxmlformats.org/markup-compatibility/2006">
-        <mc:Choice xmlns:a14="http://schemas.microsoft.com/office/drawing/2010/main" Requires="a14">
+      <mc:AlternateContent xmlns:mc="http://schemas.openxmlformats.org/markup-compatibility/2006" xmlns:a14="http://schemas.microsoft.com/office/drawing/2010/main">
+        <mc:Choice Requires="a14">
           <p:sp>
             <p:nvSpPr>
               <p:cNvPr id="75" name="文本框 74">
@@ -15158,7 +15158,7 @@
             </p:txBody>
           </p:sp>
         </mc:Choice>
-        <mc:Fallback>
+        <mc:Fallback xmlns="">
           <p:sp>
             <p:nvSpPr>
               <p:cNvPr id="75" name="文本框 74">
@@ -15646,106 +15646,6 @@
       </p:sp>
       <p:sp>
         <p:nvSpPr>
-          <p:cNvPr id="14" name="文本框 13">
-            <a:extLst>
-              <a:ext uri="{FF2B5EF4-FFF2-40B4-BE49-F238E27FC236}">
-                <a16:creationId xmlns:a16="http://schemas.microsoft.com/office/drawing/2014/main" id="{A9F77B10-D2C9-493A-9635-3FF30DE0099E}"/>
-              </a:ext>
-            </a:extLst>
-          </p:cNvPr>
-          <p:cNvSpPr txBox="1"/>
-          <p:nvPr/>
-        </p:nvSpPr>
-        <p:spPr>
-          <a:xfrm>
-            <a:off x="9339262" y="3541452"/>
-            <a:ext cx="2595563" cy="369332"/>
-          </a:xfrm>
-          <a:prstGeom prst="rect">
-            <a:avLst/>
-          </a:prstGeom>
-          <a:solidFill>
-            <a:srgbClr val="FFC000"/>
-          </a:solidFill>
-        </p:spPr>
-        <p:txBody>
-          <a:bodyPr wrap="square" rtlCol="0">
-            <a:spAutoFit/>
-          </a:bodyPr>
-          <a:lstStyle/>
-          <a:p>
-            <a:r>
-              <a:rPr lang="en-US" altLang="zh-CN" dirty="0" err="1">
-                <a:solidFill>
-                  <a:srgbClr val="FF0000"/>
-                </a:solidFill>
-              </a:rPr>
-              <a:t>prune&amp;column</a:t>
-            </a:r>
-            <a:r>
-              <a:rPr lang="en-US" altLang="zh-CN" dirty="0">
-                <a:solidFill>
-                  <a:srgbClr val="FF0000"/>
-                </a:solidFill>
-              </a:rPr>
-              <a:t> combine</a:t>
-            </a:r>
-            <a:endParaRPr lang="zh-CN" altLang="en-US" dirty="0">
-              <a:solidFill>
-                <a:srgbClr val="FF0000"/>
-              </a:solidFill>
-            </a:endParaRPr>
-          </a:p>
-        </p:txBody>
-      </p:sp>
-      <p:sp>
-        <p:nvSpPr>
-          <p:cNvPr id="15" name="文本框 14">
-            <a:extLst>
-              <a:ext uri="{FF2B5EF4-FFF2-40B4-BE49-F238E27FC236}">
-                <a16:creationId xmlns:a16="http://schemas.microsoft.com/office/drawing/2014/main" id="{9610B8AB-A19D-40CE-A4DE-427282960F80}"/>
-              </a:ext>
-            </a:extLst>
-          </p:cNvPr>
-          <p:cNvSpPr txBox="1"/>
-          <p:nvPr/>
-        </p:nvSpPr>
-        <p:spPr>
-          <a:xfrm>
-            <a:off x="9339262" y="2045643"/>
-            <a:ext cx="1943101" cy="369332"/>
-          </a:xfrm>
-          <a:prstGeom prst="rect">
-            <a:avLst/>
-          </a:prstGeom>
-          <a:solidFill>
-            <a:srgbClr val="00B0F0"/>
-          </a:solidFill>
-        </p:spPr>
-        <p:txBody>
-          <a:bodyPr wrap="square" rtlCol="0">
-            <a:spAutoFit/>
-          </a:bodyPr>
-          <a:lstStyle/>
-          <a:p>
-            <a:r>
-              <a:rPr lang="en-US" altLang="zh-CN" dirty="0">
-                <a:solidFill>
-                  <a:srgbClr val="FF0000"/>
-                </a:solidFill>
-              </a:rPr>
-              <a:t>original LSTM</a:t>
-            </a:r>
-            <a:endParaRPr lang="zh-CN" altLang="en-US" dirty="0">
-              <a:solidFill>
-                <a:srgbClr val="FF0000"/>
-              </a:solidFill>
-            </a:endParaRPr>
-          </a:p>
-        </p:txBody>
-      </p:sp>
-      <p:sp>
-        <p:nvSpPr>
           <p:cNvPr id="16" name="文本框 15">
             <a:extLst>
               <a:ext uri="{FF2B5EF4-FFF2-40B4-BE49-F238E27FC236}">
@@ -15832,6 +15732,129 @@
           </a:p>
         </p:txBody>
       </p:sp>
+      <p:sp>
+        <p:nvSpPr>
+          <p:cNvPr id="12" name="文本框 11">
+            <a:extLst>
+              <a:ext uri="{FF2B5EF4-FFF2-40B4-BE49-F238E27FC236}">
+                <a16:creationId xmlns:a16="http://schemas.microsoft.com/office/drawing/2014/main" id="{8C66C896-2A99-4D20-B4C0-3992FEBCDC89}"/>
+              </a:ext>
+            </a:extLst>
+          </p:cNvPr>
+          <p:cNvSpPr txBox="1"/>
+          <p:nvPr/>
+        </p:nvSpPr>
+        <p:spPr>
+          <a:xfrm>
+            <a:off x="9297194" y="3498124"/>
+            <a:ext cx="2595563" cy="369332"/>
+          </a:xfrm>
+          <a:prstGeom prst="rect">
+            <a:avLst/>
+          </a:prstGeom>
+          <a:solidFill>
+            <a:schemeClr val="tx2">
+              <a:lumMod val="20000"/>
+              <a:lumOff val="80000"/>
+            </a:schemeClr>
+          </a:solidFill>
+          <a:ln>
+            <a:solidFill>
+              <a:schemeClr val="bg1">
+                <a:lumMod val="75000"/>
+              </a:schemeClr>
+            </a:solidFill>
+          </a:ln>
+        </p:spPr>
+        <p:txBody>
+          <a:bodyPr wrap="square" rtlCol="0">
+            <a:spAutoFit/>
+          </a:bodyPr>
+          <a:lstStyle/>
+          <a:p>
+            <a:pPr algn="r"/>
+            <a:r>
+              <a:rPr lang="en-US" altLang="zh-CN" dirty="0" err="1">
+                <a:solidFill>
+                  <a:schemeClr val="accent1"/>
+                </a:solidFill>
+              </a:rPr>
+              <a:t>prune&amp;column</a:t>
+            </a:r>
+            <a:r>
+              <a:rPr lang="en-US" altLang="zh-CN" dirty="0">
+                <a:solidFill>
+                  <a:schemeClr val="accent1"/>
+                </a:solidFill>
+              </a:rPr>
+              <a:t> combine</a:t>
+            </a:r>
+            <a:endParaRPr lang="zh-CN" altLang="en-US" dirty="0">
+              <a:solidFill>
+                <a:schemeClr val="accent1"/>
+              </a:solidFill>
+            </a:endParaRPr>
+          </a:p>
+        </p:txBody>
+      </p:sp>
+      <p:sp>
+        <p:nvSpPr>
+          <p:cNvPr id="13" name="文本框 12">
+            <a:extLst>
+              <a:ext uri="{FF2B5EF4-FFF2-40B4-BE49-F238E27FC236}">
+                <a16:creationId xmlns:a16="http://schemas.microsoft.com/office/drawing/2014/main" id="{3A34BAEB-5515-42CD-8E2F-15AFE0165049}"/>
+              </a:ext>
+            </a:extLst>
+          </p:cNvPr>
+          <p:cNvSpPr txBox="1"/>
+          <p:nvPr/>
+        </p:nvSpPr>
+        <p:spPr>
+          <a:xfrm>
+            <a:off x="9297194" y="2152757"/>
+            <a:ext cx="1624012" cy="369332"/>
+          </a:xfrm>
+          <a:prstGeom prst="rect">
+            <a:avLst/>
+          </a:prstGeom>
+          <a:solidFill>
+            <a:schemeClr val="tx2">
+              <a:lumMod val="20000"/>
+              <a:lumOff val="80000"/>
+            </a:schemeClr>
+          </a:solidFill>
+          <a:ln>
+            <a:solidFill>
+              <a:schemeClr val="tx2">
+                <a:lumMod val="60000"/>
+                <a:lumOff val="40000"/>
+              </a:schemeClr>
+            </a:solidFill>
+          </a:ln>
+        </p:spPr>
+        <p:txBody>
+          <a:bodyPr wrap="square" rtlCol="0">
+            <a:spAutoFit/>
+          </a:bodyPr>
+          <a:lstStyle/>
+          <a:p>
+            <a:pPr algn="r"/>
+            <a:r>
+              <a:rPr lang="en-US" altLang="zh-CN" dirty="0">
+                <a:solidFill>
+                  <a:srgbClr val="00B0F0"/>
+                </a:solidFill>
+              </a:rPr>
+              <a:t>original LSTM</a:t>
+            </a:r>
+            <a:endParaRPr lang="zh-CN" altLang="en-US" dirty="0">
+              <a:solidFill>
+                <a:srgbClr val="00B0F0"/>
+              </a:solidFill>
+            </a:endParaRPr>
+          </a:p>
+        </p:txBody>
+      </p:sp>
     </p:spTree>
     <p:extLst>
       <p:ext uri="{BB962C8B-B14F-4D97-AF65-F5344CB8AC3E}">
@@ -15879,7 +15902,7 @@
                                           </p:stCondLst>
                                         </p:cTn>
                                         <p:tgtEl>
-                                          <p:spTgt spid="14"/>
+                                          <p:spTgt spid="12"/>
                                         </p:tgtEl>
                                         <p:attrNameLst>
                                           <p:attrName>style.visibility</p:attrName>
@@ -15893,7 +15916,7 @@
                                       <p:cBhvr additive="base">
                                         <p:cTn id="7" dur="500" fill="hold"/>
                                         <p:tgtEl>
-                                          <p:spTgt spid="14"/>
+                                          <p:spTgt spid="12"/>
                                         </p:tgtEl>
                                         <p:attrNameLst>
                                           <p:attrName>ppt_x</p:attrName>
@@ -15916,7 +15939,7 @@
                                       <p:cBhvr additive="base">
                                         <p:cTn id="8" dur="500" fill="hold"/>
                                         <p:tgtEl>
-                                          <p:spTgt spid="14"/>
+                                          <p:spTgt spid="12"/>
                                         </p:tgtEl>
                                         <p:attrNameLst>
                                           <p:attrName>ppt_y</p:attrName>
@@ -15952,7 +15975,7 @@
                                           </p:stCondLst>
                                         </p:cTn>
                                         <p:tgtEl>
-                                          <p:spTgt spid="15"/>
+                                          <p:spTgt spid="13"/>
                                         </p:tgtEl>
                                         <p:attrNameLst>
                                           <p:attrName>style.visibility</p:attrName>
@@ -15966,7 +15989,7 @@
                                       <p:cBhvr additive="base">
                                         <p:cTn id="11" dur="500" fill="hold"/>
                                         <p:tgtEl>
-                                          <p:spTgt spid="15"/>
+                                          <p:spTgt spid="13"/>
                                         </p:tgtEl>
                                         <p:attrNameLst>
                                           <p:attrName>ppt_x</p:attrName>
@@ -15989,7 +16012,7 @@
                                       <p:cBhvr additive="base">
                                         <p:cTn id="12" dur="500" fill="hold"/>
                                         <p:tgtEl>
-                                          <p:spTgt spid="15"/>
+                                          <p:spTgt spid="13"/>
                                         </p:tgtEl>
                                         <p:attrNameLst>
                                           <p:attrName>ppt_y</p:attrName>
@@ -16039,8 +16062,8 @@
       </p:par>
     </p:tnLst>
     <p:bldLst>
-      <p:bldP spid="14" grpId="0" animBg="1"/>
-      <p:bldP spid="15" grpId="0" animBg="1"/>
+      <p:bldP spid="12" grpId="0" animBg="1"/>
+      <p:bldP spid="13" grpId="0" animBg="1"/>
     </p:bldLst>
   </p:timing>
 </p:sld>
@@ -16197,108 +16220,6 @@
       </p:pic>
       <p:sp>
         <p:nvSpPr>
-          <p:cNvPr id="7" name="文本框 6">
-            <a:extLst>
-              <a:ext uri="{FF2B5EF4-FFF2-40B4-BE49-F238E27FC236}">
-                <a16:creationId xmlns:a16="http://schemas.microsoft.com/office/drawing/2014/main" id="{E45824A2-20A0-4C8D-BBBC-BD19F8826458}"/>
-              </a:ext>
-            </a:extLst>
-          </p:cNvPr>
-          <p:cNvSpPr txBox="1"/>
-          <p:nvPr/>
-        </p:nvSpPr>
-        <p:spPr>
-          <a:xfrm>
-            <a:off x="8848724" y="2019062"/>
-            <a:ext cx="2595563" cy="369332"/>
-          </a:xfrm>
-          <a:prstGeom prst="rect">
-            <a:avLst/>
-          </a:prstGeom>
-          <a:solidFill>
-            <a:srgbClr val="FFC000"/>
-          </a:solidFill>
-        </p:spPr>
-        <p:txBody>
-          <a:bodyPr wrap="square" rtlCol="0">
-            <a:spAutoFit/>
-          </a:bodyPr>
-          <a:lstStyle/>
-          <a:p>
-            <a:pPr algn="r"/>
-            <a:r>
-              <a:rPr lang="en-US" altLang="zh-CN" dirty="0" err="1">
-                <a:solidFill>
-                  <a:srgbClr val="FF0000"/>
-                </a:solidFill>
-              </a:rPr>
-              <a:t>prune&amp;column</a:t>
-            </a:r>
-            <a:r>
-              <a:rPr lang="en-US" altLang="zh-CN" dirty="0">
-                <a:solidFill>
-                  <a:srgbClr val="FF0000"/>
-                </a:solidFill>
-              </a:rPr>
-              <a:t> combine</a:t>
-            </a:r>
-            <a:endParaRPr lang="zh-CN" altLang="en-US" dirty="0">
-              <a:solidFill>
-                <a:srgbClr val="FF0000"/>
-              </a:solidFill>
-            </a:endParaRPr>
-          </a:p>
-        </p:txBody>
-      </p:sp>
-      <p:sp>
-        <p:nvSpPr>
-          <p:cNvPr id="8" name="文本框 7">
-            <a:extLst>
-              <a:ext uri="{FF2B5EF4-FFF2-40B4-BE49-F238E27FC236}">
-                <a16:creationId xmlns:a16="http://schemas.microsoft.com/office/drawing/2014/main" id="{5F7B7003-16CC-42BE-86F6-105956D12A46}"/>
-              </a:ext>
-            </a:extLst>
-          </p:cNvPr>
-          <p:cNvSpPr txBox="1"/>
-          <p:nvPr/>
-        </p:nvSpPr>
-        <p:spPr>
-          <a:xfrm>
-            <a:off x="9820275" y="1565831"/>
-            <a:ext cx="1624012" cy="369332"/>
-          </a:xfrm>
-          <a:prstGeom prst="rect">
-            <a:avLst/>
-          </a:prstGeom>
-          <a:solidFill>
-            <a:srgbClr val="00B0F0"/>
-          </a:solidFill>
-        </p:spPr>
-        <p:txBody>
-          <a:bodyPr wrap="square" rtlCol="0">
-            <a:spAutoFit/>
-          </a:bodyPr>
-          <a:lstStyle/>
-          <a:p>
-            <a:pPr algn="r"/>
-            <a:r>
-              <a:rPr lang="en-US" altLang="zh-CN" dirty="0">
-                <a:solidFill>
-                  <a:srgbClr val="FF0000"/>
-                </a:solidFill>
-              </a:rPr>
-              <a:t>original LSTM</a:t>
-            </a:r>
-            <a:endParaRPr lang="zh-CN" altLang="en-US" dirty="0">
-              <a:solidFill>
-                <a:srgbClr val="FF0000"/>
-              </a:solidFill>
-            </a:endParaRPr>
-          </a:p>
-        </p:txBody>
-      </p:sp>
-      <p:sp>
-        <p:nvSpPr>
           <p:cNvPr id="9" name="文本框 8">
             <a:extLst>
               <a:ext uri="{FF2B5EF4-FFF2-40B4-BE49-F238E27FC236}">
@@ -16369,6 +16290,129 @@
           </a:p>
         </p:txBody>
       </p:sp>
+      <p:sp>
+        <p:nvSpPr>
+          <p:cNvPr id="10" name="文本框 9">
+            <a:extLst>
+              <a:ext uri="{FF2B5EF4-FFF2-40B4-BE49-F238E27FC236}">
+                <a16:creationId xmlns:a16="http://schemas.microsoft.com/office/drawing/2014/main" id="{2406538B-1BFF-46F4-B2E1-93B46F316DCF}"/>
+              </a:ext>
+            </a:extLst>
+          </p:cNvPr>
+          <p:cNvSpPr txBox="1"/>
+          <p:nvPr/>
+        </p:nvSpPr>
+        <p:spPr>
+          <a:xfrm>
+            <a:off x="8848724" y="1893332"/>
+            <a:ext cx="2595563" cy="369332"/>
+          </a:xfrm>
+          <a:prstGeom prst="rect">
+            <a:avLst/>
+          </a:prstGeom>
+          <a:solidFill>
+            <a:schemeClr val="tx2">
+              <a:lumMod val="20000"/>
+              <a:lumOff val="80000"/>
+            </a:schemeClr>
+          </a:solidFill>
+          <a:ln>
+            <a:solidFill>
+              <a:schemeClr val="bg1">
+                <a:lumMod val="75000"/>
+              </a:schemeClr>
+            </a:solidFill>
+          </a:ln>
+        </p:spPr>
+        <p:txBody>
+          <a:bodyPr wrap="square" rtlCol="0">
+            <a:spAutoFit/>
+          </a:bodyPr>
+          <a:lstStyle/>
+          <a:p>
+            <a:pPr algn="r"/>
+            <a:r>
+              <a:rPr lang="en-US" altLang="zh-CN" dirty="0" err="1">
+                <a:solidFill>
+                  <a:schemeClr val="accent1"/>
+                </a:solidFill>
+              </a:rPr>
+              <a:t>prune&amp;column</a:t>
+            </a:r>
+            <a:r>
+              <a:rPr lang="en-US" altLang="zh-CN" dirty="0">
+                <a:solidFill>
+                  <a:schemeClr val="accent1"/>
+                </a:solidFill>
+              </a:rPr>
+              <a:t> combine</a:t>
+            </a:r>
+            <a:endParaRPr lang="zh-CN" altLang="en-US" dirty="0">
+              <a:solidFill>
+                <a:schemeClr val="accent1"/>
+              </a:solidFill>
+            </a:endParaRPr>
+          </a:p>
+        </p:txBody>
+      </p:sp>
+      <p:sp>
+        <p:nvSpPr>
+          <p:cNvPr id="11" name="文本框 10">
+            <a:extLst>
+              <a:ext uri="{FF2B5EF4-FFF2-40B4-BE49-F238E27FC236}">
+                <a16:creationId xmlns:a16="http://schemas.microsoft.com/office/drawing/2014/main" id="{4643DF35-F394-48C7-8CFD-FDBE9D573BCA}"/>
+              </a:ext>
+            </a:extLst>
+          </p:cNvPr>
+          <p:cNvSpPr txBox="1"/>
+          <p:nvPr/>
+        </p:nvSpPr>
+        <p:spPr>
+          <a:xfrm>
+            <a:off x="9820275" y="1524000"/>
+            <a:ext cx="1624012" cy="369332"/>
+          </a:xfrm>
+          <a:prstGeom prst="rect">
+            <a:avLst/>
+          </a:prstGeom>
+          <a:solidFill>
+            <a:schemeClr val="tx2">
+              <a:lumMod val="20000"/>
+              <a:lumOff val="80000"/>
+            </a:schemeClr>
+          </a:solidFill>
+          <a:ln>
+            <a:solidFill>
+              <a:schemeClr val="tx2">
+                <a:lumMod val="60000"/>
+                <a:lumOff val="40000"/>
+              </a:schemeClr>
+            </a:solidFill>
+          </a:ln>
+        </p:spPr>
+        <p:txBody>
+          <a:bodyPr wrap="square" rtlCol="0">
+            <a:spAutoFit/>
+          </a:bodyPr>
+          <a:lstStyle/>
+          <a:p>
+            <a:pPr algn="r"/>
+            <a:r>
+              <a:rPr lang="en-US" altLang="zh-CN" dirty="0">
+                <a:solidFill>
+                  <a:srgbClr val="00B0F0"/>
+                </a:solidFill>
+              </a:rPr>
+              <a:t>original LSTM</a:t>
+            </a:r>
+            <a:endParaRPr lang="zh-CN" altLang="en-US" dirty="0">
+              <a:solidFill>
+                <a:srgbClr val="00B0F0"/>
+              </a:solidFill>
+            </a:endParaRPr>
+          </a:p>
+        </p:txBody>
+      </p:sp>
     </p:spTree>
     <p:extLst>
       <p:ext uri="{BB962C8B-B14F-4D97-AF65-F5344CB8AC3E}">
@@ -16416,7 +16460,7 @@
                                           </p:stCondLst>
                                         </p:cTn>
                                         <p:tgtEl>
-                                          <p:spTgt spid="7"/>
+                                          <p:spTgt spid="10"/>
                                         </p:tgtEl>
                                         <p:attrNameLst>
                                           <p:attrName>style.visibility</p:attrName>
@@ -16430,7 +16474,7 @@
                                       <p:cBhvr additive="base">
                                         <p:cTn id="7" dur="500" fill="hold"/>
                                         <p:tgtEl>
-                                          <p:spTgt spid="7"/>
+                                          <p:spTgt spid="10"/>
                                         </p:tgtEl>
                                         <p:attrNameLst>
                                           <p:attrName>ppt_x</p:attrName>
@@ -16453,7 +16497,7 @@
                                       <p:cBhvr additive="base">
                                         <p:cTn id="8" dur="500" fill="hold"/>
                                         <p:tgtEl>
-                                          <p:spTgt spid="7"/>
+                                          <p:spTgt spid="10"/>
                                         </p:tgtEl>
                                         <p:attrNameLst>
                                           <p:attrName>ppt_y</p:attrName>
@@ -16489,7 +16533,7 @@
                                           </p:stCondLst>
                                         </p:cTn>
                                         <p:tgtEl>
-                                          <p:spTgt spid="8"/>
+                                          <p:spTgt spid="11"/>
                                         </p:tgtEl>
                                         <p:attrNameLst>
                                           <p:attrName>style.visibility</p:attrName>
@@ -16503,7 +16547,7 @@
                                       <p:cBhvr additive="base">
                                         <p:cTn id="11" dur="500" fill="hold"/>
                                         <p:tgtEl>
-                                          <p:spTgt spid="8"/>
+                                          <p:spTgt spid="11"/>
                                         </p:tgtEl>
                                         <p:attrNameLst>
                                           <p:attrName>ppt_x</p:attrName>
@@ -16526,7 +16570,7 @@
                                       <p:cBhvr additive="base">
                                         <p:cTn id="12" dur="500" fill="hold"/>
                                         <p:tgtEl>
-                                          <p:spTgt spid="8"/>
+                                          <p:spTgt spid="11"/>
                                         </p:tgtEl>
                                         <p:attrNameLst>
                                           <p:attrName>ppt_y</p:attrName>
@@ -16576,8 +16620,8 @@
       </p:par>
     </p:tnLst>
     <p:bldLst>
-      <p:bldP spid="7" grpId="0" animBg="1"/>
-      <p:bldP spid="8" grpId="0" animBg="1"/>
+      <p:bldP spid="10" grpId="0" animBg="1"/>
+      <p:bldP spid="11" grpId="0" animBg="1"/>
     </p:bldLst>
   </p:timing>
 </p:sld>
@@ -16809,15 +16853,25 @@
         </p:nvSpPr>
         <p:spPr>
           <a:xfrm>
-            <a:off x="8924924" y="4659645"/>
+            <a:off x="8924924" y="4770207"/>
             <a:ext cx="2595563" cy="369332"/>
           </a:xfrm>
           <a:prstGeom prst="rect">
             <a:avLst/>
           </a:prstGeom>
           <a:solidFill>
-            <a:srgbClr val="FFC000"/>
+            <a:schemeClr val="tx2">
+              <a:lumMod val="20000"/>
+              <a:lumOff val="80000"/>
+            </a:schemeClr>
           </a:solidFill>
+          <a:ln>
+            <a:solidFill>
+              <a:schemeClr val="bg1">
+                <a:lumMod val="75000"/>
+              </a:schemeClr>
+            </a:solidFill>
+          </a:ln>
         </p:spPr>
         <p:txBody>
           <a:bodyPr wrap="square" rtlCol="0">
@@ -16829,7 +16883,7 @@
             <a:r>
               <a:rPr lang="en-US" altLang="zh-CN" dirty="0" err="1">
                 <a:solidFill>
-                  <a:srgbClr val="FF0000"/>
+                  <a:schemeClr val="accent1"/>
                 </a:solidFill>
               </a:rPr>
               <a:t>prune&amp;column</a:t>
@@ -16837,14 +16891,14 @@
             <a:r>
               <a:rPr lang="en-US" altLang="zh-CN" dirty="0">
                 <a:solidFill>
-                  <a:srgbClr val="FF0000"/>
+                  <a:schemeClr val="accent1"/>
                 </a:solidFill>
               </a:rPr>
               <a:t> combine</a:t>
             </a:r>
             <a:endParaRPr lang="zh-CN" altLang="en-US" dirty="0">
               <a:solidFill>
-                <a:srgbClr val="FF0000"/>
+                <a:schemeClr val="accent1"/>
               </a:solidFill>
             </a:endParaRPr>
           </a:p>
@@ -16864,15 +16918,26 @@
         </p:nvSpPr>
         <p:spPr>
           <a:xfrm>
-            <a:off x="9896475" y="4206414"/>
+            <a:off x="9898857" y="4391080"/>
             <a:ext cx="1624012" cy="369332"/>
           </a:xfrm>
           <a:prstGeom prst="rect">
             <a:avLst/>
           </a:prstGeom>
           <a:solidFill>
-            <a:srgbClr val="00B0F0"/>
+            <a:schemeClr val="tx2">
+              <a:lumMod val="20000"/>
+              <a:lumOff val="80000"/>
+            </a:schemeClr>
           </a:solidFill>
+          <a:ln>
+            <a:solidFill>
+              <a:schemeClr val="tx2">
+                <a:lumMod val="60000"/>
+                <a:lumOff val="40000"/>
+              </a:schemeClr>
+            </a:solidFill>
+          </a:ln>
         </p:spPr>
         <p:txBody>
           <a:bodyPr wrap="square" rtlCol="0">
@@ -16884,14 +16949,14 @@
             <a:r>
               <a:rPr lang="en-US" altLang="zh-CN" dirty="0">
                 <a:solidFill>
-                  <a:srgbClr val="FF0000"/>
+                  <a:srgbClr val="00B0F0"/>
                 </a:solidFill>
               </a:rPr>
               <a:t>original LSTM</a:t>
             </a:r>
             <a:endParaRPr lang="zh-CN" altLang="en-US" dirty="0">
               <a:solidFill>
-                <a:srgbClr val="FF0000"/>
+                <a:srgbClr val="00B0F0"/>
               </a:solidFill>
             </a:endParaRPr>
           </a:p>
